--- a/Project/Individual/Presentation121323.pptx
+++ b/Project/Individual/Presentation121323.pptx
@@ -265,7 +265,7 @@
           <a:p>
             <a:fld id="{39381563-04E4-5B46-9E82-26A2069AFE69}" type="datetimeFigureOut">
               <a:rPr lang="en-US" smtClean="0"/>
-              <a:t>12/13/23</a:t>
+              <a:t>12/14/23</a:t>
             </a:fld>
             <a:endParaRPr lang="en-US"/>
           </a:p>
@@ -463,7 +463,7 @@
           <a:p>
             <a:fld id="{39381563-04E4-5B46-9E82-26A2069AFE69}" type="datetimeFigureOut">
               <a:rPr lang="en-US" smtClean="0"/>
-              <a:t>12/13/23</a:t>
+              <a:t>12/14/23</a:t>
             </a:fld>
             <a:endParaRPr lang="en-US"/>
           </a:p>
@@ -671,7 +671,7 @@
           <a:p>
             <a:fld id="{39381563-04E4-5B46-9E82-26A2069AFE69}" type="datetimeFigureOut">
               <a:rPr lang="en-US" smtClean="0"/>
-              <a:t>12/13/23</a:t>
+              <a:t>12/14/23</a:t>
             </a:fld>
             <a:endParaRPr lang="en-US"/>
           </a:p>
@@ -869,7 +869,7 @@
           <a:p>
             <a:fld id="{39381563-04E4-5B46-9E82-26A2069AFE69}" type="datetimeFigureOut">
               <a:rPr lang="en-US" smtClean="0"/>
-              <a:t>12/13/23</a:t>
+              <a:t>12/14/23</a:t>
             </a:fld>
             <a:endParaRPr lang="en-US"/>
           </a:p>
@@ -1144,7 +1144,7 @@
           <a:p>
             <a:fld id="{39381563-04E4-5B46-9E82-26A2069AFE69}" type="datetimeFigureOut">
               <a:rPr lang="en-US" smtClean="0"/>
-              <a:t>12/13/23</a:t>
+              <a:t>12/14/23</a:t>
             </a:fld>
             <a:endParaRPr lang="en-US"/>
           </a:p>
@@ -1409,7 +1409,7 @@
           <a:p>
             <a:fld id="{39381563-04E4-5B46-9E82-26A2069AFE69}" type="datetimeFigureOut">
               <a:rPr lang="en-US" smtClean="0"/>
-              <a:t>12/13/23</a:t>
+              <a:t>12/14/23</a:t>
             </a:fld>
             <a:endParaRPr lang="en-US"/>
           </a:p>
@@ -1821,7 +1821,7 @@
           <a:p>
             <a:fld id="{39381563-04E4-5B46-9E82-26A2069AFE69}" type="datetimeFigureOut">
               <a:rPr lang="en-US" smtClean="0"/>
-              <a:t>12/13/23</a:t>
+              <a:t>12/14/23</a:t>
             </a:fld>
             <a:endParaRPr lang="en-US"/>
           </a:p>
@@ -1962,7 +1962,7 @@
           <a:p>
             <a:fld id="{39381563-04E4-5B46-9E82-26A2069AFE69}" type="datetimeFigureOut">
               <a:rPr lang="en-US" smtClean="0"/>
-              <a:t>12/13/23</a:t>
+              <a:t>12/14/23</a:t>
             </a:fld>
             <a:endParaRPr lang="en-US"/>
           </a:p>
@@ -2075,7 +2075,7 @@
           <a:p>
             <a:fld id="{39381563-04E4-5B46-9E82-26A2069AFE69}" type="datetimeFigureOut">
               <a:rPr lang="en-US" smtClean="0"/>
-              <a:t>12/13/23</a:t>
+              <a:t>12/14/23</a:t>
             </a:fld>
             <a:endParaRPr lang="en-US"/>
           </a:p>
@@ -2386,7 +2386,7 @@
           <a:p>
             <a:fld id="{39381563-04E4-5B46-9E82-26A2069AFE69}" type="datetimeFigureOut">
               <a:rPr lang="en-US" smtClean="0"/>
-              <a:t>12/13/23</a:t>
+              <a:t>12/14/23</a:t>
             </a:fld>
             <a:endParaRPr lang="en-US"/>
           </a:p>
@@ -2674,7 +2674,7 @@
           <a:p>
             <a:fld id="{39381563-04E4-5B46-9E82-26A2069AFE69}" type="datetimeFigureOut">
               <a:rPr lang="en-US" smtClean="0"/>
-              <a:t>12/13/23</a:t>
+              <a:t>12/14/23</a:t>
             </a:fld>
             <a:endParaRPr lang="en-US"/>
           </a:p>
@@ -2915,7 +2915,7 @@
           <a:p>
             <a:fld id="{39381563-04E4-5B46-9E82-26A2069AFE69}" type="datetimeFigureOut">
               <a:rPr lang="en-US" smtClean="0"/>
-              <a:t>12/13/23</a:t>
+              <a:t>12/14/23</a:t>
             </a:fld>
             <a:endParaRPr lang="en-US"/>
           </a:p>
@@ -3361,7 +3361,10 @@
           <a:lstStyle/>
           <a:p>
             <a:r>
-              <a:rPr lang="en-US" sz="4800" dirty="0"/>
+              <a:rPr lang="en-US" sz="4800" b="1" dirty="0">
+                <a:latin typeface="Arial" panose="020B0604020202020204" pitchFamily="34" charset="0"/>
+                <a:cs typeface="Arial" panose="020B0604020202020204" pitchFamily="34" charset="0"/>
+              </a:rPr>
               <a:t>High-altitude Natural Selection Near Transcription Factor Footprints </a:t>
             </a:r>
           </a:p>
